--- a/Jialin_Kang/week10/qa_fast.pptx
+++ b/Jialin_Kang/week10/qa_fast.pptx
@@ -6,9 +6,9 @@
   </p:sldMasterIdLst>
   <p:sldIdLst>
     <p:sldId id="256" r:id="rId2"/>
-    <p:sldId id="257" r:id="rId3"/>
+    <p:sldId id="259" r:id="rId3"/>
     <p:sldId id="258" r:id="rId4"/>
-    <p:sldId id="259" r:id="rId5"/>
+    <p:sldId id="257" r:id="rId5"/>
     <p:sldId id="260" r:id="rId6"/>
   </p:sldIdLst>
   <p:sldSz cx="12192000" cy="6858000"/>
@@ -108,6 +108,11 @@
       </a:defRPr>
     </a:lvl9pPr>
   </p:defaultTextStyle>
+  <p:extLst>
+    <p:ext uri="{EFAFB233-063F-42B5-8137-9DF3F51BA10A}">
+      <p15:sldGuideLst xmlns:p15="http://schemas.microsoft.com/office/powerpoint/2012/main"/>
+    </p:ext>
+  </p:extLst>
 </p:presentation>
 </file>
 
@@ -3399,14 +3404,6 @@
 <file path=ppt/slides/slide2.xml><?xml version="1.0" encoding="utf-8"?>
 <p:sld xmlns:a="http://schemas.openxmlformats.org/drawingml/2006/main" xmlns:r="http://schemas.openxmlformats.org/officeDocument/2006/relationships" xmlns:p="http://schemas.openxmlformats.org/presentationml/2006/main">
   <p:cSld>
-    <p:bg>
-      <p:bgPr>
-        <a:solidFill>
-          <a:schemeClr val="bg1"/>
-        </a:solidFill>
-        <a:effectLst/>
-      </p:bgPr>
-    </p:bg>
     <p:spTree>
       <p:nvGrpSpPr>
         <p:cNvPr id="1" name=""/>
@@ -3423,10 +3420,10 @@
       </p:grpSpPr>
       <p:pic>
         <p:nvPicPr>
-          <p:cNvPr id="5" name="Picture 4" descr="A picture containing room&#10;&#10;Description automatically generated">
-            <a:extLst>
-              <a:ext uri="{FF2B5EF4-FFF2-40B4-BE49-F238E27FC236}">
-                <a16:creationId xmlns:a16="http://schemas.microsoft.com/office/drawing/2014/main" id="{341D2DC0-E5B6-482A-BD54-3BBB4E400183}"/>
+          <p:cNvPr id="3" name="Picture 2" descr="A picture containing room&#10;&#10;Description automatically generated">
+            <a:extLst>
+              <a:ext uri="{FF2B5EF4-FFF2-40B4-BE49-F238E27FC236}">
+                <a16:creationId xmlns:a16="http://schemas.microsoft.com/office/drawing/2014/main" id="{C6244348-49A4-4788-8827-8FE8ABEACD40}"/>
               </a:ext>
             </a:extLst>
           </p:cNvPr>
@@ -3449,8 +3446,8 @@
         </p:blipFill>
         <p:spPr>
           <a:xfrm>
-            <a:off x="2779889" y="643466"/>
-            <a:ext cx="6632222" cy="5571067"/>
+            <a:off x="2013857" y="0"/>
+            <a:ext cx="8164286" cy="6858000"/>
           </a:xfrm>
           <a:prstGeom prst="rect">
             <a:avLst/>
@@ -3459,10 +3456,10 @@
       </p:pic>
       <p:sp>
         <p:nvSpPr>
-          <p:cNvPr id="6" name="TextBox 5">
-            <a:extLst>
-              <a:ext uri="{FF2B5EF4-FFF2-40B4-BE49-F238E27FC236}">
-                <a16:creationId xmlns:a16="http://schemas.microsoft.com/office/drawing/2014/main" id="{91E903F2-7EB2-4C56-827B-03ED472E5B21}"/>
+          <p:cNvPr id="4" name="TextBox 3">
+            <a:extLst>
+              <a:ext uri="{FF2B5EF4-FFF2-40B4-BE49-F238E27FC236}">
+                <a16:creationId xmlns:a16="http://schemas.microsoft.com/office/drawing/2014/main" id="{A04499D7-B4DD-42B1-B785-1EDF4E1BC6CA}"/>
               </a:ext>
             </a:extLst>
           </p:cNvPr>
@@ -3471,8 +3468,8 @@
         </p:nvSpPr>
         <p:spPr>
           <a:xfrm>
-            <a:off x="369649" y="204281"/>
-            <a:ext cx="2334639" cy="369332"/>
+            <a:off x="204281" y="291830"/>
+            <a:ext cx="2333646" cy="369332"/>
           </a:xfrm>
           <a:prstGeom prst="rect">
             <a:avLst/>
@@ -3491,15 +3488,20 @@
             </a:r>
             <a:r>
               <a:rPr lang="en-US" dirty="0"/>
-              <a:t> of white matter</a:t>
-            </a:r>
+              <a:t> of </a:t>
+            </a:r>
+            <a:r>
+              <a:rPr lang="en-US" altLang="zh-CN" dirty="0"/>
+              <a:t>white matter</a:t>
+            </a:r>
+            <a:endParaRPr lang="en-US" dirty="0"/>
           </a:p>
         </p:txBody>
       </p:sp>
     </p:spTree>
     <p:extLst>
       <p:ext uri="{BB962C8B-B14F-4D97-AF65-F5344CB8AC3E}">
-        <p14:creationId xmlns:p14="http://schemas.microsoft.com/office/powerpoint/2010/main" val="2632289020"/>
+        <p14:creationId xmlns:p14="http://schemas.microsoft.com/office/powerpoint/2010/main" val="568167769"/>
       </p:ext>
     </p:extLst>
   </p:cSld>
@@ -3617,6 +3619,14 @@
 <file path=ppt/slides/slide4.xml><?xml version="1.0" encoding="utf-8"?>
 <p:sld xmlns:a="http://schemas.openxmlformats.org/drawingml/2006/main" xmlns:r="http://schemas.openxmlformats.org/officeDocument/2006/relationships" xmlns:p="http://schemas.openxmlformats.org/presentationml/2006/main">
   <p:cSld>
+    <p:bg>
+      <p:bgPr>
+        <a:solidFill>
+          <a:schemeClr val="bg1"/>
+        </a:solidFill>
+        <a:effectLst/>
+      </p:bgPr>
+    </p:bg>
     <p:spTree>
       <p:nvGrpSpPr>
         <p:cNvPr id="1" name=""/>
@@ -3633,10 +3643,10 @@
       </p:grpSpPr>
       <p:pic>
         <p:nvPicPr>
-          <p:cNvPr id="3" name="Picture 2" descr="A picture containing room&#10;&#10;Description automatically generated">
-            <a:extLst>
-              <a:ext uri="{FF2B5EF4-FFF2-40B4-BE49-F238E27FC236}">
-                <a16:creationId xmlns:a16="http://schemas.microsoft.com/office/drawing/2014/main" id="{C6244348-49A4-4788-8827-8FE8ABEACD40}"/>
+          <p:cNvPr id="5" name="Picture 4" descr="A picture containing room&#10;&#10;Description automatically generated">
+            <a:extLst>
+              <a:ext uri="{FF2B5EF4-FFF2-40B4-BE49-F238E27FC236}">
+                <a16:creationId xmlns:a16="http://schemas.microsoft.com/office/drawing/2014/main" id="{341D2DC0-E5B6-482A-BD54-3BBB4E400183}"/>
               </a:ext>
             </a:extLst>
           </p:cNvPr>
@@ -3659,8 +3669,8 @@
         </p:blipFill>
         <p:spPr>
           <a:xfrm>
-            <a:off x="2013857" y="0"/>
-            <a:ext cx="8164286" cy="6858000"/>
+            <a:off x="2779889" y="643466"/>
+            <a:ext cx="6632222" cy="5571067"/>
           </a:xfrm>
           <a:prstGeom prst="rect">
             <a:avLst/>
@@ -3669,10 +3679,10 @@
       </p:pic>
       <p:sp>
         <p:nvSpPr>
-          <p:cNvPr id="4" name="TextBox 3">
-            <a:extLst>
-              <a:ext uri="{FF2B5EF4-FFF2-40B4-BE49-F238E27FC236}">
-                <a16:creationId xmlns:a16="http://schemas.microsoft.com/office/drawing/2014/main" id="{A04499D7-B4DD-42B1-B785-1EDF4E1BC6CA}"/>
+          <p:cNvPr id="6" name="TextBox 5">
+            <a:extLst>
+              <a:ext uri="{FF2B5EF4-FFF2-40B4-BE49-F238E27FC236}">
+                <a16:creationId xmlns:a16="http://schemas.microsoft.com/office/drawing/2014/main" id="{91E903F2-7EB2-4C56-827B-03ED472E5B21}"/>
               </a:ext>
             </a:extLst>
           </p:cNvPr>
@@ -3681,8 +3691,8 @@
         </p:nvSpPr>
         <p:spPr>
           <a:xfrm>
-            <a:off x="204281" y="291830"/>
-            <a:ext cx="1741251" cy="369332"/>
+            <a:off x="369649" y="204281"/>
+            <a:ext cx="2334639" cy="369332"/>
           </a:xfrm>
           <a:prstGeom prst="rect">
             <a:avLst/>
@@ -3701,15 +3711,20 @@
             </a:r>
             <a:r>
               <a:rPr lang="en-US" dirty="0"/>
-              <a:t> of CSF</a:t>
-            </a:r>
+              <a:t> of </a:t>
+            </a:r>
+            <a:r>
+              <a:rPr lang="en-US" altLang="zh-CN" dirty="0" err="1"/>
+              <a:t>csf</a:t>
+            </a:r>
+            <a:endParaRPr lang="en-US" dirty="0"/>
           </a:p>
         </p:txBody>
       </p:sp>
     </p:spTree>
     <p:extLst>
       <p:ext uri="{BB962C8B-B14F-4D97-AF65-F5344CB8AC3E}">
-        <p14:creationId xmlns:p14="http://schemas.microsoft.com/office/powerpoint/2010/main" val="568167769"/>
+        <p14:creationId xmlns:p14="http://schemas.microsoft.com/office/powerpoint/2010/main" val="2632289020"/>
       </p:ext>
     </p:extLst>
   </p:cSld>
